--- a/UI原则.pptx
+++ b/UI原则.pptx
@@ -36,6 +36,7 @@
     <p:sldId id="281" r:id="rId33"/>
     <p:sldId id="282" r:id="rId34"/>
     <p:sldId id="283" r:id="rId35"/>
+    <p:sldId id="284" r:id="rId36"/>
   </p:sldIdLst>
   <p:sldSz cx="13004800" cy="9753600"/>
   <p:notesSz cx="6858000" cy="9144000"/>
@@ -5673,6 +5674,131 @@
 </p:sld>
 </file>
 
+<file path=ppt/slides/slide29.xml><?xml version="1.0" encoding="utf-8"?>
+<p:sld xmlns:a="http://schemas.openxmlformats.org/drawingml/2006/main" xmlns:r="http://schemas.openxmlformats.org/officeDocument/2006/relationships" xmlns:p="http://schemas.openxmlformats.org/presentationml/2006/main" xmlns:m="http://schemas.openxmlformats.org/officeDocument/2006/math" xmlns:a14="http://schemas.microsoft.com/office/drawing/2010/main" showMasterSp="1" showMasterPhAnim="1">
+  <p:cSld>
+    <p:spTree>
+      <p:nvGrpSpPr>
+        <p:cNvPr id="1" name=""/>
+        <p:cNvGrpSpPr/>
+        <p:nvPr/>
+      </p:nvGrpSpPr>
+      <p:grpSpPr>
+        <a:xfrm>
+          <a:off x="0" y="0"/>
+          <a:ext cx="0" cy="0"/>
+          <a:chOff x="0" y="0"/>
+          <a:chExt cx="0" cy="0"/>
+        </a:xfrm>
+      </p:grpSpPr>
+      <p:sp>
+        <p:nvSpPr>
+          <p:cNvPr id="212" name="组件内部节点命名规则"/>
+          <p:cNvSpPr txBox="1"/>
+          <p:nvPr>
+            <p:ph type="title"/>
+          </p:nvPr>
+        </p:nvSpPr>
+        <p:spPr>
+          <a:prstGeom prst="rect">
+            <a:avLst/>
+          </a:prstGeom>
+        </p:spPr>
+        <p:txBody>
+          <a:bodyPr/>
+          <a:lstStyle/>
+          <a:p>
+            <a:pPr/>
+            <a:r>
+              <a:t>组件内部节点命名规则</a:t>
+            </a:r>
+          </a:p>
+        </p:txBody>
+      </p:sp>
+      <p:sp>
+        <p:nvSpPr>
+          <p:cNvPr id="213" name="FGUI默认的名称是：n+数字 (n0, n1, n2等)…"/>
+          <p:cNvSpPr txBox="1"/>
+          <p:nvPr>
+            <p:ph type="body" idx="1"/>
+          </p:nvPr>
+        </p:nvSpPr>
+        <p:spPr>
+          <a:xfrm>
+            <a:off x="952500" y="2590800"/>
+            <a:ext cx="11099800" cy="5207000"/>
+          </a:xfrm>
+          <a:prstGeom prst="rect">
+            <a:avLst/>
+          </a:prstGeom>
+        </p:spPr>
+        <p:txBody>
+          <a:bodyPr anchor="t"/>
+          <a:lstStyle/>
+          <a:p>
+            <a:pPr/>
+            <a:r>
+              <a:t>FGUI默认的名称是：n+数字 (n0, n1, n2等)</a:t>
+            </a:r>
+          </a:p>
+          <a:p>
+            <a:pPr/>
+            <a:r>
+              <a:t>n+数字, _开头的节点：表示不会生成代码结构，是不会动态变化的。</a:t>
+            </a:r>
+          </a:p>
+          <a:p>
+            <a:pPr/>
+            <a:r>
+              <a:t>其他的将生成代码结构。</a:t>
+            </a:r>
+          </a:p>
+          <a:p>
+            <a:pPr/>
+            <a:r>
+              <a:t>如图：红色框表示不会生成到代码里，绿色的将会生成代码引用</a:t>
+            </a:r>
+          </a:p>
+        </p:txBody>
+      </p:sp>
+      <p:pic>
+        <p:nvPicPr>
+          <p:cNvPr id="214" name="image.png" descr="image.png"/>
+          <p:cNvPicPr>
+            <a:picLocks noChangeAspect="1"/>
+          </p:cNvPicPr>
+          <p:nvPr/>
+        </p:nvPicPr>
+        <p:blipFill>
+          <a:blip r:embed="rId2">
+            <a:extLst/>
+          </a:blip>
+          <a:stretch>
+            <a:fillRect/>
+          </a:stretch>
+        </p:blipFill>
+        <p:spPr>
+          <a:xfrm>
+            <a:off x="2349500" y="7975600"/>
+            <a:ext cx="7391400" cy="1397000"/>
+          </a:xfrm>
+          <a:prstGeom prst="rect">
+            <a:avLst/>
+          </a:prstGeom>
+          <a:ln w="12700">
+            <a:miter lim="400000"/>
+          </a:ln>
+        </p:spPr>
+      </p:pic>
+    </p:spTree>
+  </p:cSld>
+  <p:clrMapOvr>
+    <a:masterClrMapping/>
+  </p:clrMapOvr>
+  <p:transition xmlns:p14="http://schemas.microsoft.com/office/powerpoint/2010/main" spd="med" advClick="1"/>
+</p:sld>
+</file>
+
 <file path=ppt/slides/slide3.xml><?xml version="1.0" encoding="utf-8"?>
 <p:sld xmlns:a="http://schemas.openxmlformats.org/drawingml/2006/main" xmlns:r="http://schemas.openxmlformats.org/officeDocument/2006/relationships" xmlns:p="http://schemas.openxmlformats.org/presentationml/2006/main" xmlns:m="http://schemas.openxmlformats.org/officeDocument/2006/math" xmlns:a14="http://schemas.microsoft.com/office/drawing/2010/main" showMasterSp="1" showMasterPhAnim="1">
   <p:cSld>
@@ -6699,91 +6825,102 @@
           <a:bodyPr/>
           <a:lstStyle/>
           <a:p>
-            <a:pPr marL="333375" indent="-333375" defTabSz="438150">
-              <a:spcBef>
-                <a:spcPts val="3100"/>
-              </a:spcBef>
-              <a:defRPr sz="2400"/>
+            <a:pPr marL="293370" indent="-293370" defTabSz="385572">
+              <a:spcBef>
+                <a:spcPts val="2700"/>
+              </a:spcBef>
+              <a:defRPr sz="2112"/>
             </a:pPr>
             <a:r>
               <a:t>屏幕自适应</a:t>
             </a:r>
           </a:p>
           <a:p>
-            <a:pPr marL="333375" indent="-333375" defTabSz="438150">
-              <a:spcBef>
-                <a:spcPts val="3100"/>
-              </a:spcBef>
-              <a:defRPr sz="2400"/>
+            <a:pPr marL="293370" indent="-293370" defTabSz="385572">
+              <a:spcBef>
+                <a:spcPts val="2700"/>
+              </a:spcBef>
+              <a:defRPr sz="2112"/>
             </a:pPr>
             <a:r>
               <a:t>性能消耗方面</a:t>
             </a:r>
           </a:p>
           <a:p>
-            <a:pPr marL="333375" indent="-333375" defTabSz="438150">
-              <a:spcBef>
-                <a:spcPts val="3100"/>
-              </a:spcBef>
-              <a:defRPr sz="2400"/>
+            <a:pPr marL="293370" indent="-293370" defTabSz="385572">
+              <a:spcBef>
+                <a:spcPts val="2700"/>
+              </a:spcBef>
+              <a:defRPr sz="2112"/>
             </a:pPr>
             <a:r>
               <a:t>FairyGUI 在Laya中需要注意的点</a:t>
             </a:r>
           </a:p>
           <a:p>
-            <a:pPr marL="333375" indent="-333375" defTabSz="438150">
-              <a:spcBef>
-                <a:spcPts val="3100"/>
-              </a:spcBef>
-              <a:defRPr sz="2400"/>
+            <a:pPr marL="293370" indent="-293370" defTabSz="385572">
+              <a:spcBef>
+                <a:spcPts val="2700"/>
+              </a:spcBef>
+              <a:defRPr sz="2112"/>
             </a:pPr>
             <a:r>
               <a:t>资源规范</a:t>
             </a:r>
           </a:p>
           <a:p>
-            <a:pPr lvl="1" marL="666750" indent="-333375" defTabSz="438150">
-              <a:spcBef>
-                <a:spcPts val="3100"/>
-              </a:spcBef>
-              <a:defRPr sz="2400"/>
+            <a:pPr lvl="1" marL="586740" indent="-293370" defTabSz="385572">
+              <a:spcBef>
+                <a:spcPts val="2700"/>
+              </a:spcBef>
+              <a:defRPr sz="2112"/>
             </a:pPr>
             <a:r>
               <a:t>减少资源冗余</a:t>
             </a:r>
           </a:p>
           <a:p>
-            <a:pPr lvl="1" marL="666750" indent="-333375" defTabSz="438150">
-              <a:spcBef>
-                <a:spcPts val="3100"/>
-              </a:spcBef>
-              <a:defRPr sz="2400"/>
+            <a:pPr lvl="1" marL="586740" indent="-293370" defTabSz="385572">
+              <a:spcBef>
+                <a:spcPts val="2700"/>
+              </a:spcBef>
+              <a:defRPr sz="2112"/>
             </a:pPr>
             <a:r>
               <a:t>资源命名</a:t>
             </a:r>
           </a:p>
           <a:p>
-            <a:pPr lvl="1" marL="666750" indent="-333375" defTabSz="438150">
-              <a:spcBef>
-                <a:spcPts val="3100"/>
-              </a:spcBef>
-              <a:defRPr sz="2400"/>
+            <a:pPr lvl="1" marL="586740" indent="-293370" defTabSz="385572">
+              <a:spcBef>
+                <a:spcPts val="2700"/>
+              </a:spcBef>
+              <a:defRPr sz="2112"/>
             </a:pPr>
             <a:r>
               <a:t>包的依赖关系</a:t>
             </a:r>
           </a:p>
           <a:p>
-            <a:pPr lvl="1" marL="666750" indent="-333375" defTabSz="438150">
-              <a:spcBef>
-                <a:spcPts val="3100"/>
-              </a:spcBef>
-              <a:defRPr sz="2400"/>
+            <a:pPr lvl="1" marL="586740" indent="-293370" defTabSz="385572">
+              <a:spcBef>
+                <a:spcPts val="2700"/>
+              </a:spcBef>
+              <a:defRPr sz="2112"/>
             </a:pPr>
             <a:r>
               <a:t>建立文本样式</a:t>
+            </a:r>
+          </a:p>
+          <a:p>
+            <a:pPr lvl="1" marL="586740" indent="-293370" defTabSz="385572">
+              <a:spcBef>
+                <a:spcPts val="2700"/>
+              </a:spcBef>
+              <a:defRPr sz="2112"/>
+            </a:pPr>
+            <a:r>
+              <a:t>组件内部节点命名规则</a:t>
             </a:r>
           </a:p>
         </p:txBody>
